--- a/08_Quizz_competition/2018_Quizz2.pptx
+++ b/08_Quizz_competition/2018_Quizz2.pptx
@@ -207,7 +207,7 @@
           <a:p>
             <a:fld id="{5D475C35-5908-4B2D-B5C8-393CB5047EDD}" type="datetimeFigureOut">
               <a:rPr lang="fr-FR" smtClean="0"/>
-              <a:t>30/11/2018</a:t>
+              <a:t>04/12/2018</a:t>
             </a:fld>
             <a:endParaRPr lang="fr-FR"/>
           </a:p>
@@ -1560,7 +1560,7 @@
           <a:p>
             <a:fld id="{96DFF08F-DC6B-4601-B491-B0F83F6DD2DA}" type="datetimeFigureOut">
               <a:rPr lang="en-US" smtClean="0"/>
-              <a:t>11/30/2018</a:t>
+              <a:t>12/4/2018</a:t>
             </a:fld>
             <a:endParaRPr lang="en-US" dirty="0"/>
           </a:p>
@@ -1730,7 +1730,7 @@
           <a:p>
             <a:fld id="{96DFF08F-DC6B-4601-B491-B0F83F6DD2DA}" type="datetimeFigureOut">
               <a:rPr lang="en-US" smtClean="0"/>
-              <a:t>11/30/2018</a:t>
+              <a:t>12/4/2018</a:t>
             </a:fld>
             <a:endParaRPr lang="en-US" dirty="0"/>
           </a:p>
@@ -1953,7 +1953,7 @@
           <a:p>
             <a:fld id="{96DFF08F-DC6B-4601-B491-B0F83F6DD2DA}" type="datetimeFigureOut">
               <a:rPr lang="en-US" smtClean="0"/>
-              <a:t>11/30/2018</a:t>
+              <a:t>12/4/2018</a:t>
             </a:fld>
             <a:endParaRPr lang="en-US" dirty="0"/>
           </a:p>
@@ -2133,7 +2133,7 @@
           <a:p>
             <a:fld id="{96DFF08F-DC6B-4601-B491-B0F83F6DD2DA}" type="datetimeFigureOut">
               <a:rPr lang="en-US" smtClean="0"/>
-              <a:t>11/30/2018</a:t>
+              <a:t>12/4/2018</a:t>
             </a:fld>
             <a:endParaRPr lang="en-US" dirty="0"/>
           </a:p>
@@ -2440,7 +2440,7 @@
             <a:fld id="{96DFF08F-DC6B-4601-B491-B0F83F6DD2DA}" type="datetimeFigureOut">
               <a:rPr lang="en-US" smtClean="0"/>
               <a:pPr/>
-              <a:t>11/30/2018</a:t>
+              <a:t>12/4/2018</a:t>
             </a:fld>
             <a:endParaRPr lang="en-US" dirty="0"/>
           </a:p>
@@ -2745,7 +2745,7 @@
           <a:p>
             <a:fld id="{96DFF08F-DC6B-4601-B491-B0F83F6DD2DA}" type="datetimeFigureOut">
               <a:rPr lang="en-US" smtClean="0"/>
-              <a:t>11/30/2018</a:t>
+              <a:t>12/4/2018</a:t>
             </a:fld>
             <a:endParaRPr lang="en-US" dirty="0"/>
           </a:p>
@@ -3167,7 +3167,7 @@
           <a:p>
             <a:fld id="{96DFF08F-DC6B-4601-B491-B0F83F6DD2DA}" type="datetimeFigureOut">
               <a:rPr lang="en-US" smtClean="0"/>
-              <a:t>11/30/2018</a:t>
+              <a:t>12/4/2018</a:t>
             </a:fld>
             <a:endParaRPr lang="en-US" dirty="0"/>
           </a:p>
@@ -3285,7 +3285,7 @@
           <a:p>
             <a:fld id="{96DFF08F-DC6B-4601-B491-B0F83F6DD2DA}" type="datetimeFigureOut">
               <a:rPr lang="en-US" smtClean="0"/>
-              <a:t>11/30/2018</a:t>
+              <a:t>12/4/2018</a:t>
             </a:fld>
             <a:endParaRPr lang="en-US" dirty="0"/>
           </a:p>
@@ -3380,7 +3380,7 @@
           <a:p>
             <a:fld id="{96DFF08F-DC6B-4601-B491-B0F83F6DD2DA}" type="datetimeFigureOut">
               <a:rPr lang="en-US" smtClean="0"/>
-              <a:t>11/30/2018</a:t>
+              <a:t>12/4/2018</a:t>
             </a:fld>
             <a:endParaRPr lang="en-US" dirty="0"/>
           </a:p>
@@ -3653,7 +3653,7 @@
           <a:p>
             <a:fld id="{96DFF08F-DC6B-4601-B491-B0F83F6DD2DA}" type="datetimeFigureOut">
               <a:rPr lang="en-US" smtClean="0"/>
-              <a:t>11/30/2018</a:t>
+              <a:t>12/4/2018</a:t>
             </a:fld>
             <a:endParaRPr lang="en-US" dirty="0"/>
           </a:p>
@@ -3918,7 +3918,7 @@
           <a:p>
             <a:fld id="{96DFF08F-DC6B-4601-B491-B0F83F6DD2DA}" type="datetimeFigureOut">
               <a:rPr lang="en-US" smtClean="0"/>
-              <a:t>11/30/2018</a:t>
+              <a:t>12/4/2018</a:t>
             </a:fld>
             <a:endParaRPr lang="en-US" dirty="0"/>
           </a:p>
@@ -4168,7 +4168,7 @@
             <a:fld id="{96DFF08F-DC6B-4601-B491-B0F83F6DD2DA}" type="datetimeFigureOut">
               <a:rPr lang="en-US" smtClean="0"/>
               <a:pPr/>
-              <a:t>11/30/2018</a:t>
+              <a:t>12/4/2018</a:t>
             </a:fld>
             <a:endParaRPr lang="en-US" dirty="0"/>
           </a:p>
@@ -4650,13 +4650,7 @@
               <a:rPr lang="fr-FR" sz="3600" b="1" dirty="0" smtClean="0">
                 <a:latin typeface="Century Gothic" panose="020B0502020202020204" pitchFamily="34" charset="0"/>
               </a:rPr>
-              <a:t>Quizz </a:t>
-            </a:r>
-            <a:r>
-              <a:rPr lang="fr-FR" sz="3600" b="1" dirty="0" smtClean="0">
-                <a:latin typeface="Century Gothic" panose="020B0502020202020204" pitchFamily="34" charset="0"/>
-              </a:rPr>
-              <a:t>#2</a:t>
+              <a:t>Quizz #2</a:t>
             </a:r>
             <a:endParaRPr lang="fr-FR" sz="3600" b="1" dirty="0">
               <a:latin typeface="Century Gothic" panose="020B0502020202020204" pitchFamily="34" charset="0"/>
@@ -4938,13 +4932,7 @@
               <a:rPr lang="fr-FR" sz="3200" dirty="0" smtClean="0">
                 <a:latin typeface="Century Gothic" panose="020B0502020202020204" pitchFamily="34" charset="0"/>
               </a:rPr>
-              <a:t>Mardi </a:t>
-            </a:r>
-            <a:r>
-              <a:rPr lang="fr-FR" sz="3200" dirty="0" smtClean="0">
-                <a:latin typeface="Century Gothic" panose="020B0502020202020204" pitchFamily="34" charset="0"/>
-              </a:rPr>
-              <a:t>4 </a:t>
+              <a:t>Mardi 4 </a:t>
             </a:r>
             <a:r>
               <a:rPr lang="fr-FR" sz="3200" dirty="0" err="1" smtClean="0">
@@ -4956,13 +4944,7 @@
               <a:rPr lang="fr-FR" sz="3200" dirty="0" smtClean="0">
                 <a:latin typeface="Century Gothic" panose="020B0502020202020204" pitchFamily="34" charset="0"/>
               </a:rPr>
-              <a:t> </a:t>
-            </a:r>
-            <a:r>
-              <a:rPr lang="fr-FR" sz="3200" dirty="0" smtClean="0">
-                <a:latin typeface="Century Gothic" panose="020B0502020202020204" pitchFamily="34" charset="0"/>
-              </a:rPr>
-              <a:t>2018</a:t>
+              <a:t> 2018</a:t>
             </a:r>
             <a:endParaRPr lang="fr-FR" sz="3200" dirty="0">
               <a:latin typeface="Century Gothic" panose="020B0502020202020204" pitchFamily="34" charset="0"/>
@@ -5031,13 +5013,7 @@
               <a:rPr lang="fr-FR" b="1" dirty="0" smtClean="0">
                 <a:latin typeface="Century Gothic" panose="020B0502020202020204" pitchFamily="34" charset="0"/>
               </a:rPr>
-              <a:t>Question </a:t>
-            </a:r>
-            <a:r>
-              <a:rPr lang="fr-FR" b="1" dirty="0" smtClean="0">
-                <a:latin typeface="Century Gothic" panose="020B0502020202020204" pitchFamily="34" charset="0"/>
-              </a:rPr>
-              <a:t>#9</a:t>
+              <a:t>Question #9</a:t>
             </a:r>
             <a:endParaRPr lang="fr-FR" b="1" dirty="0">
               <a:latin typeface="Century Gothic" panose="020B0502020202020204" pitchFamily="34" charset="0"/>
@@ -5105,7 +5081,6 @@
               <a:rPr lang="en-US" dirty="0" smtClean="0"/>
               <a:t> time then how much points do they score ?</a:t>
             </a:r>
-            <a:endParaRPr lang="en-US" dirty="0" smtClean="0"/>
           </a:p>
           <a:p>
             <a:pPr>
@@ -5226,13 +5201,7 @@
               <a:rPr lang="fr-FR" b="1" dirty="0" smtClean="0">
                 <a:latin typeface="Century Gothic" panose="020B0502020202020204" pitchFamily="34" charset="0"/>
               </a:rPr>
-              <a:t>Question </a:t>
-            </a:r>
-            <a:r>
-              <a:rPr lang="fr-FR" b="1" dirty="0" smtClean="0">
-                <a:latin typeface="Century Gothic" panose="020B0502020202020204" pitchFamily="34" charset="0"/>
-              </a:rPr>
-              <a:t>#10</a:t>
+              <a:t>Question #10</a:t>
             </a:r>
             <a:endParaRPr lang="fr-FR" b="1" dirty="0">
               <a:latin typeface="Century Gothic" panose="020B0502020202020204" pitchFamily="34" charset="0"/>
@@ -5292,7 +5261,6 @@
               <a:rPr lang="en-US" dirty="0" smtClean="0"/>
               <a:t>Which of the following act results in penalty ?</a:t>
             </a:r>
-            <a:endParaRPr lang="en-US" dirty="0" smtClean="0"/>
           </a:p>
           <a:p>
             <a:pPr>
@@ -5539,7 +5507,6 @@
               <a:rPr lang="en-US" dirty="0" smtClean="0"/>
               <a:t> percentile lower 200mm circle and face of the pedal ?</a:t>
             </a:r>
-            <a:endParaRPr lang="en-US" dirty="0" smtClean="0"/>
           </a:p>
           <a:p>
             <a:pPr>
@@ -5548,13 +5515,8 @@
             </a:pPr>
             <a:r>
               <a:rPr lang="en-US" dirty="0" smtClean="0"/>
-              <a:t>  </a:t>
-            </a:r>
-            <a:r>
-              <a:rPr lang="en-US" dirty="0" smtClean="0"/>
-              <a:t>925 mm</a:t>
-            </a:r>
-            <a:endParaRPr lang="en-US" dirty="0" smtClean="0"/>
+              <a:t>  925 mm</a:t>
+            </a:r>
           </a:p>
           <a:p>
             <a:pPr>
@@ -5565,7 +5527,6 @@
               <a:rPr lang="en-US" dirty="0" smtClean="0"/>
               <a:t> 920 mm</a:t>
             </a:r>
-            <a:endParaRPr lang="en-US" dirty="0" smtClean="0"/>
           </a:p>
           <a:p>
             <a:pPr>
@@ -5578,7 +5539,7 @@
             </a:r>
             <a:r>
               <a:rPr lang="en-US" dirty="0" smtClean="0"/>
-              <a:t>37 in</a:t>
+              <a:t>915 mm</a:t>
             </a:r>
             <a:endParaRPr lang="en-US" dirty="0" smtClean="0"/>
           </a:p>
@@ -5593,7 +5554,7 @@
             </a:r>
             <a:r>
               <a:rPr lang="en-US" dirty="0" smtClean="0"/>
-              <a:t>36 in</a:t>
+              <a:t>910 mm</a:t>
             </a:r>
             <a:endParaRPr lang="en-US" dirty="0" smtClean="0"/>
           </a:p>
@@ -5895,11 +5856,7 @@
             </a:r>
             <a:r>
               <a:rPr lang="en-US" sz="2400" dirty="0" smtClean="0"/>
-              <a:t> </a:t>
-            </a:r>
-            <a:r>
-              <a:rPr lang="en-US" sz="2400" dirty="0" smtClean="0"/>
-              <a:t>10</a:t>
+              <a:t> 10</a:t>
             </a:r>
           </a:p>
           <a:p>
@@ -5916,11 +5873,7 @@
             </a:pPr>
             <a:r>
               <a:rPr lang="en-US" sz="2400" dirty="0" smtClean="0"/>
-              <a:t>  </a:t>
-            </a:r>
-            <a:r>
-              <a:rPr lang="en-US" sz="2400" dirty="0" smtClean="0"/>
-              <a:t>80</a:t>
+              <a:t>  80</a:t>
             </a:r>
           </a:p>
           <a:p>
@@ -5939,7 +5892,6 @@
               <a:rPr lang="en-US" sz="2400" dirty="0" smtClean="0"/>
               <a:t>  45</a:t>
             </a:r>
-            <a:endParaRPr lang="en-US" sz="2400" dirty="0" smtClean="0"/>
           </a:p>
           <a:p>
             <a:pPr>
@@ -6117,13 +6069,8 @@
             </a:r>
             <a:r>
               <a:rPr lang="en-US" sz="2400" dirty="0" smtClean="0"/>
-              <a:t>   </a:t>
-            </a:r>
-            <a:r>
-              <a:rPr lang="en-US" sz="2400" dirty="0" smtClean="0"/>
-              <a:t>1l</a:t>
-            </a:r>
-            <a:endParaRPr lang="en-US" sz="2400" dirty="0" smtClean="0"/>
+              <a:t>   1l</a:t>
+            </a:r>
           </a:p>
           <a:p>
             <a:pPr>
@@ -6136,13 +6083,8 @@
             </a:r>
             <a:r>
               <a:rPr lang="en-US" sz="2400" dirty="0" smtClean="0"/>
-              <a:t>   </a:t>
-            </a:r>
-            <a:r>
-              <a:rPr lang="en-US" sz="2400" dirty="0" smtClean="0"/>
-              <a:t>0.9l</a:t>
-            </a:r>
-            <a:endParaRPr lang="en-US" sz="2400" dirty="0" smtClean="0"/>
+              <a:t>   0.9l</a:t>
+            </a:r>
           </a:p>
           <a:p>
             <a:pPr>
@@ -6151,13 +6093,8 @@
             </a:pPr>
             <a:r>
               <a:rPr lang="en-US" sz="2400" dirty="0" smtClean="0"/>
-              <a:t>    </a:t>
-            </a:r>
-            <a:r>
-              <a:rPr lang="en-US" sz="2400" dirty="0" smtClean="0"/>
-              <a:t>1.1l</a:t>
-            </a:r>
-            <a:endParaRPr lang="en-US" sz="2400" dirty="0" smtClean="0"/>
+              <a:t>    1.1l</a:t>
+            </a:r>
           </a:p>
           <a:p>
             <a:pPr>
@@ -6170,11 +6107,7 @@
             </a:r>
             <a:r>
               <a:rPr lang="en-US" sz="2400" dirty="0" smtClean="0"/>
-              <a:t>   </a:t>
-            </a:r>
-            <a:r>
-              <a:rPr lang="en-US" sz="2400" dirty="0" smtClean="0"/>
-              <a:t>1.2l</a:t>
+              <a:t>   1.2l</a:t>
             </a:r>
             <a:endParaRPr lang="fr-FR" dirty="0"/>
           </a:p>
@@ -6346,13 +6279,8 @@
             </a:r>
             <a:r>
               <a:rPr lang="en-US" sz="2400" dirty="0" smtClean="0"/>
-              <a:t>   </a:t>
-            </a:r>
-            <a:r>
-              <a:rPr lang="en-US" sz="2400" dirty="0" smtClean="0"/>
-              <a:t>Washers</a:t>
-            </a:r>
-            <a:endParaRPr lang="en-US" sz="2400" dirty="0" smtClean="0"/>
+              <a:t>   Washers</a:t>
+            </a:r>
           </a:p>
           <a:p>
             <a:pPr>
@@ -6361,13 +6289,8 @@
             </a:pPr>
             <a:r>
               <a:rPr lang="en-US" sz="2400" dirty="0" smtClean="0"/>
-              <a:t>    </a:t>
-            </a:r>
-            <a:r>
-              <a:rPr lang="en-US" sz="2400" dirty="0" smtClean="0"/>
-              <a:t>Cotter pins</a:t>
-            </a:r>
-            <a:endParaRPr lang="en-US" sz="2400" dirty="0" smtClean="0"/>
+              <a:t>    Cotter pins</a:t>
+            </a:r>
           </a:p>
           <a:p>
             <a:pPr>
@@ -6380,13 +6303,8 @@
             </a:r>
             <a:r>
               <a:rPr lang="en-US" sz="2400" dirty="0" smtClean="0"/>
-              <a:t>   </a:t>
-            </a:r>
-            <a:r>
-              <a:rPr lang="en-US" sz="2400" dirty="0" smtClean="0"/>
-              <a:t>Bolts with nylon patches</a:t>
-            </a:r>
-            <a:endParaRPr lang="en-US" sz="2400" dirty="0" smtClean="0"/>
+              <a:t>   Bolts with nylon patches</a:t>
+            </a:r>
           </a:p>
           <a:p>
             <a:pPr>
@@ -6395,13 +6313,8 @@
             </a:pPr>
             <a:r>
               <a:rPr lang="en-US" sz="2400" dirty="0" smtClean="0"/>
-              <a:t>    </a:t>
-            </a:r>
-            <a:r>
-              <a:rPr lang="en-US" sz="2400" dirty="0" smtClean="0"/>
-              <a:t>Loctite</a:t>
-            </a:r>
-            <a:endParaRPr lang="en-US" sz="2400" dirty="0" smtClean="0"/>
+              <a:t>    Loctite</a:t>
+            </a:r>
           </a:p>
           <a:p>
             <a:endParaRPr lang="fr-FR" dirty="0"/>
@@ -6469,13 +6382,7 @@
               <a:rPr lang="fr-FR" b="1" dirty="0" smtClean="0">
                 <a:latin typeface="Century Gothic" panose="020B0502020202020204" pitchFamily="34" charset="0"/>
               </a:rPr>
-              <a:t>Question </a:t>
-            </a:r>
-            <a:r>
-              <a:rPr lang="fr-FR" b="1" dirty="0" smtClean="0">
-                <a:latin typeface="Century Gothic" panose="020B0502020202020204" pitchFamily="34" charset="0"/>
-              </a:rPr>
-              <a:t>#5</a:t>
+              <a:t>Question #5</a:t>
             </a:r>
             <a:endParaRPr lang="fr-FR" b="1" dirty="0">
               <a:latin typeface="Century Gothic" panose="020B0502020202020204" pitchFamily="34" charset="0"/>
@@ -6563,13 +6470,8 @@
             </a:pPr>
             <a:r>
               <a:rPr lang="en-US" dirty="0" smtClean="0"/>
-              <a:t>  </a:t>
-            </a:r>
-            <a:r>
-              <a:rPr lang="en-US" dirty="0" smtClean="0"/>
-              <a:t>50mm</a:t>
-            </a:r>
-            <a:endParaRPr lang="en-US" dirty="0" smtClean="0"/>
+              <a:t>  50mm</a:t>
+            </a:r>
           </a:p>
           <a:p>
             <a:pPr>
@@ -6578,11 +6480,7 @@
             </a:pPr>
             <a:r>
               <a:rPr lang="en-US" dirty="0" smtClean="0"/>
-              <a:t>  </a:t>
-            </a:r>
-            <a:r>
-              <a:rPr lang="en-US" dirty="0" smtClean="0"/>
-              <a:t>55mm</a:t>
+              <a:t>  55mm</a:t>
             </a:r>
           </a:p>
           <a:p>
@@ -6598,7 +6496,6 @@
               <a:rPr lang="en-US" dirty="0" smtClean="0"/>
               <a:t> 65mm</a:t>
             </a:r>
-            <a:endParaRPr lang="en-US" dirty="0" smtClean="0"/>
           </a:p>
           <a:p>
             <a:pPr>
@@ -6670,13 +6567,7 @@
               <a:rPr lang="fr-FR" b="1" dirty="0" smtClean="0">
                 <a:latin typeface="Century Gothic" panose="020B0502020202020204" pitchFamily="34" charset="0"/>
               </a:rPr>
-              <a:t>Question </a:t>
-            </a:r>
-            <a:r>
-              <a:rPr lang="fr-FR" b="1" dirty="0" smtClean="0">
-                <a:latin typeface="Century Gothic" panose="020B0502020202020204" pitchFamily="34" charset="0"/>
-              </a:rPr>
-              <a:t>#6</a:t>
+              <a:t>Question #6</a:t>
             </a:r>
             <a:endParaRPr lang="fr-FR" b="1" dirty="0">
               <a:latin typeface="Century Gothic" panose="020B0502020202020204" pitchFamily="34" charset="0"/>
@@ -6898,13 +6789,7 @@
               <a:rPr lang="fr-FR" b="1" dirty="0" smtClean="0">
                 <a:latin typeface="Century Gothic" panose="020B0502020202020204" pitchFamily="34" charset="0"/>
               </a:rPr>
-              <a:t>Question </a:t>
-            </a:r>
-            <a:r>
-              <a:rPr lang="fr-FR" b="1" dirty="0" smtClean="0">
-                <a:latin typeface="Century Gothic" panose="020B0502020202020204" pitchFamily="34" charset="0"/>
-              </a:rPr>
-              <a:t>#7</a:t>
+              <a:t>Question #7</a:t>
             </a:r>
             <a:endParaRPr lang="fr-FR" b="1" dirty="0">
               <a:latin typeface="Century Gothic" panose="020B0502020202020204" pitchFamily="34" charset="0"/>
@@ -6962,9 +6847,16 @@
             </a:pPr>
             <a:r>
               <a:rPr lang="en-US" dirty="0" smtClean="0"/>
-              <a:t>Which of the following is not a requirement of Cost report ?</a:t>
-            </a:r>
-            <a:endParaRPr lang="en-US" dirty="0" smtClean="0"/>
+              <a:t>Which of the following </a:t>
+            </a:r>
+            <a:r>
+              <a:rPr lang="en-US" dirty="0" smtClean="0"/>
+              <a:t>are </a:t>
+            </a:r>
+            <a:r>
+              <a:rPr lang="en-US" dirty="0" smtClean="0"/>
+              <a:t>requirement of Cost report ?</a:t>
+            </a:r>
           </a:p>
           <a:p>
             <a:pPr>
@@ -7035,7 +6927,15 @@
             </a:r>
             <a:r>
               <a:rPr lang="fr-FR" dirty="0" smtClean="0"/>
-              <a:t> 350 pages</a:t>
+              <a:t> </a:t>
+            </a:r>
+            <a:r>
+              <a:rPr lang="fr-FR" dirty="0" smtClean="0"/>
+              <a:t>1000 </a:t>
+            </a:r>
+            <a:r>
+              <a:rPr lang="fr-FR" dirty="0" smtClean="0"/>
+              <a:t>pages</a:t>
             </a:r>
             <a:endParaRPr lang="fr-FR" dirty="0"/>
           </a:p>
@@ -7102,13 +7002,7 @@
               <a:rPr lang="fr-FR" b="1" dirty="0" smtClean="0">
                 <a:latin typeface="Century Gothic" panose="020B0502020202020204" pitchFamily="34" charset="0"/>
               </a:rPr>
-              <a:t>Question </a:t>
-            </a:r>
-            <a:r>
-              <a:rPr lang="fr-FR" b="1" dirty="0" smtClean="0">
-                <a:latin typeface="Century Gothic" panose="020B0502020202020204" pitchFamily="34" charset="0"/>
-              </a:rPr>
-              <a:t>#8</a:t>
+              <a:t>Question #8</a:t>
             </a:r>
             <a:endParaRPr lang="fr-FR" b="1" dirty="0">
               <a:latin typeface="Century Gothic" panose="020B0502020202020204" pitchFamily="34" charset="0"/>
@@ -7168,7 +7062,6 @@
               <a:rPr lang="en-US" dirty="0" smtClean="0"/>
               <a:t>In Autocross Event, which flag is used to indicate the approval to begin ?</a:t>
             </a:r>
-            <a:endParaRPr lang="en-US" dirty="0" smtClean="0"/>
           </a:p>
           <a:p>
             <a:pPr>
